--- a/Others/CarolePresentation.pptx
+++ b/Others/CarolePresentation.pptx
@@ -7850,11 +7850,7 @@
             <a:pPr algn="ctr"/>
             <a:r>
               <a:rPr lang="fr-FR" dirty="0" smtClean="0"/>
-              <a:t>PCA (</a:t>
-            </a:r>
-            <a:r>
-              <a:rPr lang="fr-FR" dirty="0" smtClean="0"/>
-              <a:t>Covariance Matrix, </a:t>
+              <a:t>PCA (Covariance Matrix, </a:t>
             </a:r>
             <a:r>
               <a:rPr lang="fr-FR" dirty="0" err="1" smtClean="0"/>
@@ -14225,25 +14221,6 @@
           </a:prstGeom>
         </p:spPr>
       </p:pic>
-      <p:sp>
-        <p:nvSpPr>
-          <p:cNvPr id="38" name="Espace réservé du contenu 37"/>
-          <p:cNvSpPr>
-            <a:spLocks noGrp="1"/>
-          </p:cNvSpPr>
-          <p:nvPr>
-            <p:ph idx="1"/>
-          </p:nvPr>
-        </p:nvSpPr>
-        <p:spPr/>
-        <p:txBody>
-          <a:bodyPr/>
-          <a:lstStyle/>
-          <a:p>
-            <a:endParaRPr lang="en-GB"/>
-          </a:p>
-        </p:txBody>
-      </p:sp>
     </p:spTree>
     <p:extLst>
       <p:ext uri="{BB962C8B-B14F-4D97-AF65-F5344CB8AC3E}">
@@ -14364,24 +14341,15 @@
                                   </p:childTnLst>
                                 </p:cTn>
                               </p:par>
-                            </p:childTnLst>
-                          </p:cTn>
-                        </p:par>
-                        <p:par>
-                          <p:cTn id="12" fill="hold">
-                            <p:stCondLst>
-                              <p:cond delay="500"/>
-                            </p:stCondLst>
-                            <p:childTnLst>
                               <p:par>
-                                <p:cTn id="13" presetID="1" presetClass="entr" presetSubtype="0" fill="hold" nodeType="afterEffect">
+                                <p:cTn id="12" presetID="1" presetClass="entr" presetSubtype="0" fill="hold" nodeType="withEffect">
                                   <p:stCondLst>
                                     <p:cond delay="500"/>
                                   </p:stCondLst>
                                   <p:childTnLst>
                                     <p:set>
                                       <p:cBhvr>
-                                        <p:cTn id="14" dur="1" fill="hold">
+                                        <p:cTn id="13" dur="1" fill="hold">
                                           <p:stCondLst>
                                             <p:cond delay="0"/>
                                           </p:stCondLst>
@@ -14404,20 +14372,20 @@
                           </p:cTn>
                         </p:par>
                         <p:par>
-                          <p:cTn id="15" fill="hold">
+                          <p:cTn id="14" fill="hold">
                             <p:stCondLst>
-                              <p:cond delay="1000"/>
+                              <p:cond delay="500"/>
                             </p:stCondLst>
                             <p:childTnLst>
                               <p:par>
-                                <p:cTn id="16" presetID="1" presetClass="entr" presetSubtype="0" fill="hold" nodeType="afterEffect">
+                                <p:cTn id="15" presetID="1" presetClass="entr" presetSubtype="0" fill="hold" nodeType="afterEffect">
                                   <p:stCondLst>
                                     <p:cond delay="500"/>
                                   </p:stCondLst>
                                   <p:childTnLst>
                                     <p:set>
                                       <p:cBhvr>
-                                        <p:cTn id="17" dur="1" fill="hold">
+                                        <p:cTn id="16" dur="1" fill="hold">
                                           <p:stCondLst>
                                             <p:cond delay="0"/>
                                           </p:stCondLst>
@@ -14436,24 +14404,15 @@
                                   </p:childTnLst>
                                 </p:cTn>
                               </p:par>
-                            </p:childTnLst>
-                          </p:cTn>
-                        </p:par>
-                        <p:par>
-                          <p:cTn id="18" fill="hold">
-                            <p:stCondLst>
-                              <p:cond delay="1500"/>
-                            </p:stCondLst>
-                            <p:childTnLst>
                               <p:par>
-                                <p:cTn id="19" presetID="1" presetClass="entr" presetSubtype="0" fill="hold" nodeType="afterEffect">
+                                <p:cTn id="17" presetID="1" presetClass="entr" presetSubtype="0" fill="hold" nodeType="withEffect">
                                   <p:stCondLst>
                                     <p:cond delay="500"/>
                                   </p:stCondLst>
                                   <p:childTnLst>
                                     <p:set>
                                       <p:cBhvr>
-                                        <p:cTn id="20" dur="1" fill="hold">
+                                        <p:cTn id="18" dur="1" fill="hold">
                                           <p:stCondLst>
                                             <p:cond delay="0"/>
                                           </p:stCondLst>
@@ -14476,20 +14435,20 @@
                           </p:cTn>
                         </p:par>
                         <p:par>
-                          <p:cTn id="21" fill="hold">
+                          <p:cTn id="19" fill="hold">
                             <p:stCondLst>
-                              <p:cond delay="2000"/>
+                              <p:cond delay="1000"/>
                             </p:stCondLst>
                             <p:childTnLst>
                               <p:par>
-                                <p:cTn id="22" presetID="1" presetClass="entr" presetSubtype="0" fill="hold" nodeType="afterEffect">
+                                <p:cTn id="20" presetID="1" presetClass="entr" presetSubtype="0" fill="hold" nodeType="afterEffect">
                                   <p:stCondLst>
                                     <p:cond delay="500"/>
                                   </p:stCondLst>
                                   <p:childTnLst>
                                     <p:set>
                                       <p:cBhvr>
-                                        <p:cTn id="23" dur="1" fill="hold">
+                                        <p:cTn id="21" dur="1" fill="hold">
                                           <p:stCondLst>
                                             <p:cond delay="0"/>
                                           </p:stCondLst>
@@ -14508,24 +14467,15 @@
                                   </p:childTnLst>
                                 </p:cTn>
                               </p:par>
-                            </p:childTnLst>
-                          </p:cTn>
-                        </p:par>
-                        <p:par>
-                          <p:cTn id="24" fill="hold">
-                            <p:stCondLst>
-                              <p:cond delay="2500"/>
-                            </p:stCondLst>
-                            <p:childTnLst>
                               <p:par>
-                                <p:cTn id="25" presetID="1" presetClass="entr" presetSubtype="0" fill="hold" nodeType="afterEffect">
+                                <p:cTn id="22" presetID="1" presetClass="entr" presetSubtype="0" fill="hold" nodeType="withEffect">
                                   <p:stCondLst>
                                     <p:cond delay="500"/>
                                   </p:stCondLst>
                                   <p:childTnLst>
                                     <p:set>
                                       <p:cBhvr>
-                                        <p:cTn id="26" dur="1" fill="hold">
+                                        <p:cTn id="23" dur="1" fill="hold">
                                           <p:stCondLst>
                                             <p:cond delay="0"/>
                                           </p:stCondLst>
@@ -14548,20 +14498,20 @@
                           </p:cTn>
                         </p:par>
                         <p:par>
-                          <p:cTn id="27" fill="hold">
+                          <p:cTn id="24" fill="hold">
                             <p:stCondLst>
-                              <p:cond delay="3000"/>
+                              <p:cond delay="1500"/>
                             </p:stCondLst>
                             <p:childTnLst>
                               <p:par>
-                                <p:cTn id="28" presetID="1" presetClass="entr" presetSubtype="0" fill="hold" grpId="0" nodeType="afterEffect">
+                                <p:cTn id="25" presetID="1" presetClass="entr" presetSubtype="0" fill="hold" grpId="0" nodeType="afterEffect">
                                   <p:stCondLst>
                                     <p:cond delay="500"/>
                                   </p:stCondLst>
                                   <p:childTnLst>
                                     <p:set>
                                       <p:cBhvr>
-                                        <p:cTn id="29" dur="1" fill="hold">
+                                        <p:cTn id="26" dur="1" fill="hold">
                                           <p:stCondLst>
                                             <p:cond delay="0"/>
                                           </p:stCondLst>
@@ -14587,26 +14537,26 @@
                     </p:cTn>
                   </p:par>
                   <p:par>
-                    <p:cTn id="30" fill="hold">
+                    <p:cTn id="27" fill="hold">
                       <p:stCondLst>
                         <p:cond delay="indefinite"/>
                       </p:stCondLst>
                       <p:childTnLst>
                         <p:par>
-                          <p:cTn id="31" fill="hold">
+                          <p:cTn id="28" fill="hold">
                             <p:stCondLst>
                               <p:cond delay="0"/>
                             </p:stCondLst>
                             <p:childTnLst>
                               <p:par>
-                                <p:cTn id="32" presetID="1" presetClass="entr" presetSubtype="0" fill="hold" nodeType="clickEffect">
+                                <p:cTn id="29" presetID="1" presetClass="entr" presetSubtype="0" fill="hold" nodeType="clickEffect">
                                   <p:stCondLst>
                                     <p:cond delay="0"/>
                                   </p:stCondLst>
                                   <p:childTnLst>
                                     <p:set>
                                       <p:cBhvr>
-                                        <p:cTn id="33" dur="1" fill="hold">
+                                        <p:cTn id="30" dur="1" fill="hold">
                                           <p:stCondLst>
                                             <p:cond delay="0"/>
                                           </p:stCondLst>
